--- a/История/Русская Правда.pptx
+++ b/История/Русская Правда.pptx
@@ -5586,7 +5586,7 @@
         </p:nvSpPr>
         <p:spPr>
           <a:xfrm>
-            <a:off x="7715885" y="5184140"/>
+            <a:off x="7670800" y="5184140"/>
             <a:ext cx="2593340" cy="1322070"/>
           </a:xfrm>
           <a:prstGeom prst="rect">
